--- a/Project 1 Presentation Slides_HP.pptx
+++ b/Project 1 Presentation Slides_HP.pptx
@@ -5,7 +5,7 @@
     <p:sldMasterId id="2147483648" r:id="rId1"/>
   </p:sldMasterIdLst>
   <p:notesMasterIdLst>
-    <p:notesMasterId r:id="rId9"/>
+    <p:notesMasterId r:id="rId12"/>
   </p:notesMasterIdLst>
   <p:sldIdLst>
     <p:sldId id="258" r:id="rId2"/>
@@ -14,7 +14,10 @@
     <p:sldId id="257" r:id="rId5"/>
     <p:sldId id="262" r:id="rId6"/>
     <p:sldId id="263" r:id="rId7"/>
-    <p:sldId id="260" r:id="rId8"/>
+    <p:sldId id="264" r:id="rId8"/>
+    <p:sldId id="265" r:id="rId9"/>
+    <p:sldId id="266" r:id="rId10"/>
+    <p:sldId id="260" r:id="rId11"/>
   </p:sldIdLst>
   <p:sldSz cx="9144000" cy="5143500" type="screen16x9"/>
   <p:notesSz cx="6858000" cy="9144000"/>
@@ -249,7 +252,7 @@
           <a:p>
             <a:fld id="{2996AE8F-1FC8-2B41-928A-A31161790E6A}" type="datetimeFigureOut">
               <a:rPr lang="en-US" smtClean="0"/>
-              <a:t>7/5/2019</a:t>
+              <a:t>7/6/2019</a:t>
             </a:fld>
             <a:endParaRPr lang="en-US"/>
           </a:p>
@@ -3579,12 +3582,45 @@
             <p:ph type="subTitle" idx="1"/>
           </p:nvPr>
         </p:nvSpPr>
-        <p:spPr/>
+        <p:spPr>
+          <a:xfrm>
+            <a:off x="1371600" y="3555205"/>
+            <a:ext cx="6400800" cy="1102519"/>
+          </a:xfrm>
+        </p:spPr>
         <p:txBody>
           <a:bodyPr/>
           <a:lstStyle/>
           <a:p>
-            <a:endParaRPr lang="en-US"/>
+            <a:r>
+              <a:rPr lang="en-US" sz="1400" dirty="0" err="1"/>
+              <a:t>Veeraj</a:t>
+            </a:r>
+            <a:r>
+              <a:rPr lang="en-US" sz="1400" dirty="0"/>
+              <a:t> Jadeja</a:t>
+            </a:r>
+          </a:p>
+          <a:p>
+            <a:r>
+              <a:rPr lang="en-US" sz="1400" dirty="0"/>
+              <a:t>John McGee</a:t>
+            </a:r>
+          </a:p>
+          <a:p>
+            <a:r>
+              <a:rPr lang="en-US" sz="1400" dirty="0"/>
+              <a:t>Kieran Buckley</a:t>
+            </a:r>
+          </a:p>
+          <a:p>
+            <a:r>
+              <a:rPr lang="en-US" sz="1400" dirty="0"/>
+              <a:t>Hardik Patel</a:t>
+            </a:r>
+          </a:p>
+          <a:p>
+            <a:endParaRPr lang="en-US" dirty="0"/>
           </a:p>
         </p:txBody>
       </p:sp>
@@ -3609,7 +3645,10 @@
           <a:bodyPr/>
           <a:lstStyle/>
           <a:p>
-            <a:endParaRPr lang="en-US"/>
+            <a:r>
+              <a:rPr lang="en-US" dirty="0"/>
+              <a:t>Startup Publisher</a:t>
+            </a:r>
           </a:p>
         </p:txBody>
       </p:sp>
@@ -3617,6 +3656,185 @@
     <p:extLst>
       <p:ext uri="{BB962C8B-B14F-4D97-AF65-F5344CB8AC3E}">
         <p14:creationId xmlns:p14="http://schemas.microsoft.com/office/powerpoint/2010/main" val="1228676709"/>
+      </p:ext>
+    </p:extLst>
+  </p:cSld>
+  <p:clrMapOvr>
+    <a:masterClrMapping/>
+  </p:clrMapOvr>
+</p:sld>
+</file>
+
+<file path=ppt/slides/slide10.xml><?xml version="1.0" encoding="utf-8"?>
+<p:sld xmlns:a="http://schemas.openxmlformats.org/drawingml/2006/main" xmlns:r="http://schemas.openxmlformats.org/officeDocument/2006/relationships" xmlns:p="http://schemas.openxmlformats.org/presentationml/2006/main">
+  <p:cSld>
+    <p:spTree>
+      <p:nvGrpSpPr>
+        <p:cNvPr id="1" name=""/>
+        <p:cNvGrpSpPr/>
+        <p:nvPr/>
+      </p:nvGrpSpPr>
+      <p:grpSpPr>
+        <a:xfrm>
+          <a:off x="0" y="0"/>
+          <a:ext cx="0" cy="0"/>
+          <a:chOff x="0" y="0"/>
+          <a:chExt cx="0" cy="0"/>
+        </a:xfrm>
+      </p:grpSpPr>
+      <p:sp>
+        <p:nvSpPr>
+          <p:cNvPr id="2" name="Title 1">
+            <a:extLst>
+              <a:ext uri="{FF2B5EF4-FFF2-40B4-BE49-F238E27FC236}">
+                <a16:creationId xmlns:a16="http://schemas.microsoft.com/office/drawing/2014/main" id="{FCDBAC34-15A2-C940-9D16-B68E21900562}"/>
+              </a:ext>
+            </a:extLst>
+          </p:cNvPr>
+          <p:cNvSpPr>
+            <a:spLocks noGrp="1"/>
+          </p:cNvSpPr>
+          <p:nvPr>
+            <p:ph type="title"/>
+          </p:nvPr>
+        </p:nvSpPr>
+        <p:spPr/>
+        <p:txBody>
+          <a:bodyPr/>
+          <a:lstStyle/>
+          <a:p>
+            <a:r>
+              <a:rPr lang="en-US" dirty="0"/>
+              <a:t>References</a:t>
+            </a:r>
+          </a:p>
+        </p:txBody>
+      </p:sp>
+      <p:sp>
+        <p:nvSpPr>
+          <p:cNvPr id="3" name="Content Placeholder 2">
+            <a:extLst>
+              <a:ext uri="{FF2B5EF4-FFF2-40B4-BE49-F238E27FC236}">
+                <a16:creationId xmlns:a16="http://schemas.microsoft.com/office/drawing/2014/main" id="{83DB509F-B97B-4F46-857F-5BA86E115FBF}"/>
+              </a:ext>
+            </a:extLst>
+          </p:cNvPr>
+          <p:cNvSpPr>
+            <a:spLocks noGrp="1"/>
+          </p:cNvSpPr>
+          <p:nvPr>
+            <p:ph idx="1"/>
+          </p:nvPr>
+        </p:nvSpPr>
+        <p:spPr/>
+        <p:txBody>
+          <a:bodyPr/>
+          <a:lstStyle/>
+          <a:p>
+            <a:pPr marL="457200" indent="-457200">
+              <a:buFont typeface="+mj-lt"/>
+              <a:buAutoNum type="arabicPeriod"/>
+            </a:pPr>
+            <a:r>
+              <a:rPr lang="en-US" dirty="0"/>
+              <a:t> </a:t>
+            </a:r>
+            <a:r>
+              <a:rPr lang="en-US" i="1" dirty="0">
+                <a:hlinkClick r:id="rId2"/>
+              </a:rPr>
+              <a:t>"2016 Washington Public Library Statistical Report"</a:t>
+            </a:r>
+            <a:r>
+              <a:rPr lang="en-US" i="1" dirty="0"/>
+              <a:t> (PDF). </a:t>
+            </a:r>
+            <a:r>
+              <a:rPr lang="en-US" i="1" dirty="0">
+                <a:hlinkClick r:id="rId3" tooltip="Washington State Library"/>
+              </a:rPr>
+              <a:t>Washington State Library</a:t>
+            </a:r>
+            <a:r>
+              <a:rPr lang="en-US" i="1" dirty="0"/>
+              <a:t>. October 2017. Retrieved 05, July 2019.</a:t>
+            </a:r>
+          </a:p>
+          <a:p>
+            <a:pPr marL="457200" indent="-457200">
+              <a:buFont typeface="+mj-lt"/>
+              <a:buAutoNum type="arabicPeriod"/>
+            </a:pPr>
+            <a:r>
+              <a:rPr lang="en-US" dirty="0"/>
+              <a:t>“</a:t>
+            </a:r>
+            <a:r>
+              <a:rPr lang="en-US" dirty="0" err="1"/>
+              <a:t>Seatle</a:t>
+            </a:r>
+            <a:r>
+              <a:rPr lang="en-US" dirty="0"/>
+              <a:t> Public Library.” </a:t>
+            </a:r>
+            <a:r>
+              <a:rPr lang="en-US" i="1" dirty="0"/>
+              <a:t>Wikipedia: The Free Encyclopedia. </a:t>
+            </a:r>
+            <a:r>
+              <a:rPr lang="en-US" dirty="0"/>
+              <a:t>Wikipedia, The Free Encyclopedia, 11, June 2019. Web. 05, July 2019,</a:t>
+            </a:r>
+            <a:r>
+              <a:rPr lang="en-US" dirty="0">
+                <a:hlinkClick r:id="rId4"/>
+              </a:rPr>
+              <a:t>https://en.wikipedia.org/wiki/</a:t>
+            </a:r>
+            <a:r>
+              <a:rPr lang="en-US" dirty="0" err="1">
+                <a:hlinkClick r:id="rId4"/>
+              </a:rPr>
+              <a:t>Seattle_Public_Library</a:t>
+            </a:r>
+            <a:endParaRPr lang="en-US" dirty="0"/>
+          </a:p>
+          <a:p>
+            <a:pPr marL="457200" indent="-457200">
+              <a:buFont typeface="+mj-lt"/>
+              <a:buAutoNum type="arabicPeriod"/>
+            </a:pPr>
+            <a:r>
+              <a:rPr lang="en-US" dirty="0"/>
+              <a:t>Open Weather, </a:t>
+            </a:r>
+            <a:r>
+              <a:rPr lang="en-US" dirty="0">
+                <a:hlinkClick r:id="rId5"/>
+              </a:rPr>
+              <a:t>https://openweathermap.org/</a:t>
+            </a:r>
+            <a:endParaRPr lang="en-US" dirty="0"/>
+          </a:p>
+          <a:p>
+            <a:pPr marL="457200" indent="-457200">
+              <a:buFont typeface="+mj-lt"/>
+              <a:buAutoNum type="arabicPeriod"/>
+            </a:pPr>
+            <a:endParaRPr lang="en-US" dirty="0"/>
+          </a:p>
+          <a:p>
+            <a:pPr marL="0" indent="0">
+              <a:buNone/>
+            </a:pPr>
+            <a:endParaRPr lang="en-US" dirty="0"/>
+          </a:p>
+        </p:txBody>
+      </p:sp>
+    </p:spTree>
+    <p:extLst>
+      <p:ext uri="{BB962C8B-B14F-4D97-AF65-F5344CB8AC3E}">
+        <p14:creationId xmlns:p14="http://schemas.microsoft.com/office/powerpoint/2010/main" val="3968280208"/>
       </p:ext>
     </p:extLst>
   </p:cSld>
@@ -3690,12 +3908,18 @@
         <p:spPr>
           <a:xfrm>
             <a:off x="457200" y="1143001"/>
-            <a:ext cx="8229600" cy="2982686"/>
+            <a:ext cx="8229600" cy="3228974"/>
           </a:xfrm>
         </p:spPr>
         <p:txBody>
           <a:bodyPr/>
           <a:lstStyle/>
+          <a:p>
+            <a:r>
+              <a:rPr lang="en-US" dirty="0"/>
+              <a:t>We are a startup publisher conducting preliminary research.</a:t>
+            </a:r>
+          </a:p>
           <a:p>
             <a:r>
               <a:rPr lang="en-US" dirty="0"/>
@@ -4402,10 +4626,10 @@
       </p:sp>
       <p:pic>
         <p:nvPicPr>
-          <p:cNvPr id="12" name="Content Placeholder 11">
+          <p:cNvPr id="6" name="Content Placeholder 5">
             <a:extLst>
               <a:ext uri="{FF2B5EF4-FFF2-40B4-BE49-F238E27FC236}">
-                <a16:creationId xmlns:a16="http://schemas.microsoft.com/office/drawing/2014/main" id="{C3CE4FDC-A000-43C6-87F9-DCD8A30DC99E}"/>
+                <a16:creationId xmlns:a16="http://schemas.microsoft.com/office/drawing/2014/main" id="{F1D2ACF4-3BEC-4BF0-8CC0-EE8373FA7848}"/>
               </a:ext>
             </a:extLst>
           </p:cNvPr>
@@ -4430,45 +4654,9 @@
         </p:blipFill>
         <p:spPr>
           <a:xfrm>
-            <a:off x="0" y="1063228"/>
-            <a:ext cx="4483100" cy="3480197"/>
+            <a:off x="1171575" y="1143000"/>
+            <a:ext cx="6800849" cy="3400425"/>
           </a:xfrm>
-        </p:spPr>
-      </p:pic>
-      <p:pic>
-        <p:nvPicPr>
-          <p:cNvPr id="14" name="Picture 13">
-            <a:extLst>
-              <a:ext uri="{FF2B5EF4-FFF2-40B4-BE49-F238E27FC236}">
-                <a16:creationId xmlns:a16="http://schemas.microsoft.com/office/drawing/2014/main" id="{31FE454E-A0C0-4DBB-A756-406A2559DC36}"/>
-              </a:ext>
-            </a:extLst>
-          </p:cNvPr>
-          <p:cNvPicPr>
-            <a:picLocks noChangeAspect="1"/>
-          </p:cNvPicPr>
-          <p:nvPr/>
-        </p:nvPicPr>
-        <p:blipFill>
-          <a:blip r:embed="rId3" cstate="email">
-            <a:extLst>
-              <a:ext uri="{28A0092B-C50C-407E-A947-70E740481C1C}">
-                <a14:useLocalDpi xmlns:a14="http://schemas.microsoft.com/office/drawing/2010/main" val="0"/>
-              </a:ext>
-            </a:extLst>
-          </a:blip>
-          <a:stretch>
-            <a:fillRect/>
-          </a:stretch>
-        </p:blipFill>
-        <p:spPr>
-          <a:xfrm>
-            <a:off x="4356100" y="1063228"/>
-            <a:ext cx="4673600" cy="3480197"/>
-          </a:xfrm>
-          <a:prstGeom prst="rect">
-            <a:avLst/>
-          </a:prstGeom>
         </p:spPr>
       </p:pic>
     </p:spTree>
@@ -4506,7 +4694,7 @@
           <p:cNvPr id="2" name="Title 1">
             <a:extLst>
               <a:ext uri="{FF2B5EF4-FFF2-40B4-BE49-F238E27FC236}">
-                <a16:creationId xmlns:a16="http://schemas.microsoft.com/office/drawing/2014/main" id="{FCDBAC34-15A2-C940-9D16-B68E21900562}"/>
+                <a16:creationId xmlns:a16="http://schemas.microsoft.com/office/drawing/2014/main" id="{B4F36D76-93CF-4E48-BA98-E99FC66BC325}"/>
               </a:ext>
             </a:extLst>
           </p:cNvPr>
@@ -4522,19 +4710,85 @@
           <a:bodyPr/>
           <a:lstStyle/>
           <a:p>
-            <a:r>
-              <a:rPr lang="en-US" dirty="0"/>
-              <a:t>References</a:t>
-            </a:r>
-          </a:p>
-        </p:txBody>
-      </p:sp>
-      <p:sp>
-        <p:nvSpPr>
-          <p:cNvPr id="3" name="Content Placeholder 2">
+            <a:pPr algn="ctr"/>
+            <a:r>
+              <a:rPr lang="en-US" sz="2400" dirty="0"/>
+              <a:t>Is there a correlation between weather and checkouts? </a:t>
+            </a:r>
+          </a:p>
+        </p:txBody>
+      </p:sp>
+      <p:pic>
+        <p:nvPicPr>
+          <p:cNvPr id="5" name="Content Placeholder 4">
             <a:extLst>
               <a:ext uri="{FF2B5EF4-FFF2-40B4-BE49-F238E27FC236}">
-                <a16:creationId xmlns:a16="http://schemas.microsoft.com/office/drawing/2014/main" id="{83DB509F-B97B-4F46-857F-5BA86E115FBF}"/>
+                <a16:creationId xmlns:a16="http://schemas.microsoft.com/office/drawing/2014/main" id="{39F2E807-1E66-4D59-8544-8D99E1D49EB5}"/>
+              </a:ext>
+            </a:extLst>
+          </p:cNvPr>
+          <p:cNvPicPr>
+            <a:picLocks noGrp="1" noChangeAspect="1"/>
+          </p:cNvPicPr>
+          <p:nvPr>
+            <p:ph idx="1"/>
+          </p:nvPr>
+        </p:nvPicPr>
+        <p:blipFill>
+          <a:blip r:embed="rId2" cstate="email">
+            <a:extLst>
+              <a:ext uri="{28A0092B-C50C-407E-A947-70E740481C1C}">
+                <a14:useLocalDpi xmlns:a14="http://schemas.microsoft.com/office/drawing/2010/main" val="0"/>
+              </a:ext>
+            </a:extLst>
+          </a:blip>
+          <a:stretch>
+            <a:fillRect/>
+          </a:stretch>
+        </p:blipFill>
+        <p:spPr>
+          <a:xfrm>
+            <a:off x="1171575" y="1143000"/>
+            <a:ext cx="6800849" cy="3400425"/>
+          </a:xfrm>
+        </p:spPr>
+      </p:pic>
+    </p:spTree>
+    <p:extLst>
+      <p:ext uri="{BB962C8B-B14F-4D97-AF65-F5344CB8AC3E}">
+        <p14:creationId xmlns:p14="http://schemas.microsoft.com/office/powerpoint/2010/main" val="2459035997"/>
+      </p:ext>
+    </p:extLst>
+  </p:cSld>
+  <p:clrMapOvr>
+    <a:masterClrMapping/>
+  </p:clrMapOvr>
+</p:sld>
+</file>
+
+<file path=ppt/slides/slide8.xml><?xml version="1.0" encoding="utf-8"?>
+<p:sld xmlns:a="http://schemas.openxmlformats.org/drawingml/2006/main" xmlns:r="http://schemas.openxmlformats.org/officeDocument/2006/relationships" xmlns:p="http://schemas.openxmlformats.org/presentationml/2006/main">
+  <p:cSld>
+    <p:spTree>
+      <p:nvGrpSpPr>
+        <p:cNvPr id="1" name=""/>
+        <p:cNvGrpSpPr/>
+        <p:nvPr/>
+      </p:nvGrpSpPr>
+      <p:grpSpPr>
+        <a:xfrm>
+          <a:off x="0" y="0"/>
+          <a:ext cx="0" cy="0"/>
+          <a:chOff x="0" y="0"/>
+          <a:chExt cx="0" cy="0"/>
+        </a:xfrm>
+      </p:grpSpPr>
+      <p:sp>
+        <p:nvSpPr>
+          <p:cNvPr id="2" name="Title 1">
+            <a:extLst>
+              <a:ext uri="{FF2B5EF4-FFF2-40B4-BE49-F238E27FC236}">
+                <a16:creationId xmlns:a16="http://schemas.microsoft.com/office/drawing/2014/main" id="{B3763D76-11D3-4AFE-A1BF-AA562446AC66}"/>
               </a:ext>
             </a:extLst>
           </p:cNvPr>
@@ -4542,7 +4796,7 @@
             <a:spLocks noGrp="1"/>
           </p:cNvSpPr>
           <p:nvPr>
-            <p:ph idx="1"/>
+            <p:ph type="title"/>
           </p:nvPr>
         </p:nvSpPr>
         <p:spPr/>
@@ -4550,74 +4804,173 @@
           <a:bodyPr/>
           <a:lstStyle/>
           <a:p>
-            <a:pPr marL="457200" indent="-457200">
-              <a:buFont typeface="+mj-lt"/>
-              <a:buAutoNum type="arabicPeriod"/>
-            </a:pPr>
+            <a:pPr algn="ctr"/>
             <a:r>
               <a:rPr lang="en-US" dirty="0"/>
-              <a:t> </a:t>
-            </a:r>
-            <a:r>
-              <a:rPr lang="en-US" i="1" dirty="0">
-                <a:hlinkClick r:id="rId2"/>
-              </a:rPr>
-              <a:t>"2016 Washington Public Library Statistical Report"</a:t>
-            </a:r>
-            <a:r>
-              <a:rPr lang="en-US" i="1" dirty="0"/>
-              <a:t> (PDF). </a:t>
-            </a:r>
-            <a:r>
-              <a:rPr lang="en-US" i="1" dirty="0">
-                <a:hlinkClick r:id="rId3" tooltip="Washington State Library"/>
-              </a:rPr>
-              <a:t>Washington State Library</a:t>
-            </a:r>
-            <a:r>
-              <a:rPr lang="en-US" i="1" dirty="0"/>
-              <a:t>. October 2017. Retrieved 05, July 2019.</a:t>
-            </a:r>
-          </a:p>
-          <a:p>
-            <a:pPr marL="457200" indent="-457200">
-              <a:buFont typeface="+mj-lt"/>
-              <a:buAutoNum type="arabicPeriod"/>
-            </a:pPr>
-            <a:r>
-              <a:rPr lang="en-US" dirty="0"/>
-              <a:t>“</a:t>
-            </a:r>
-            <a:r>
-              <a:rPr lang="en-US" dirty="0" err="1"/>
-              <a:t>Seatle</a:t>
-            </a:r>
-            <a:r>
-              <a:rPr lang="en-US" dirty="0"/>
-              <a:t> Public Library.” </a:t>
-            </a:r>
-            <a:r>
-              <a:rPr lang="en-US" i="1" dirty="0"/>
-              <a:t>Wikipedia: The Free Encyclopedia. </a:t>
-            </a:r>
-            <a:r>
-              <a:rPr lang="en-US" dirty="0"/>
-              <a:t>Wikipedia, The Free Encyclopedia, 11, June 2019. Web. 05, July 2019,</a:t>
-            </a:r>
-            <a:r>
-              <a:rPr lang="en-US" dirty="0">
-                <a:hlinkClick r:id="rId4"/>
-              </a:rPr>
-              <a:t>https://en.wikipedia.org/wiki/Seattle_Public_Library</a:t>
-            </a:r>
-            <a:endParaRPr lang="en-US" dirty="0"/>
-          </a:p>
-        </p:txBody>
-      </p:sp>
+              <a:t>Top 10 Creator by Checkout</a:t>
+            </a:r>
+          </a:p>
+        </p:txBody>
+      </p:sp>
+      <p:pic>
+        <p:nvPicPr>
+          <p:cNvPr id="5" name="Content Placeholder 4">
+            <a:extLst>
+              <a:ext uri="{FF2B5EF4-FFF2-40B4-BE49-F238E27FC236}">
+                <a16:creationId xmlns:a16="http://schemas.microsoft.com/office/drawing/2014/main" id="{2C82A837-C57F-45F7-B00C-36B653235A63}"/>
+              </a:ext>
+            </a:extLst>
+          </p:cNvPr>
+          <p:cNvPicPr>
+            <a:picLocks noGrp="1" noChangeAspect="1"/>
+          </p:cNvPicPr>
+          <p:nvPr>
+            <p:ph idx="1"/>
+          </p:nvPr>
+        </p:nvPicPr>
+        <p:blipFill>
+          <a:blip r:embed="rId2" cstate="email">
+            <a:extLst>
+              <a:ext uri="{28A0092B-C50C-407E-A947-70E740481C1C}">
+                <a14:useLocalDpi xmlns:a14="http://schemas.microsoft.com/office/drawing/2010/main" val="0"/>
+              </a:ext>
+            </a:extLst>
+          </a:blip>
+          <a:stretch>
+            <a:fillRect/>
+          </a:stretch>
+        </p:blipFill>
+        <p:spPr>
+          <a:xfrm>
+            <a:off x="1171575" y="1143000"/>
+            <a:ext cx="6800850" cy="3400425"/>
+          </a:xfrm>
+        </p:spPr>
+      </p:pic>
     </p:spTree>
     <p:extLst>
       <p:ext uri="{BB962C8B-B14F-4D97-AF65-F5344CB8AC3E}">
-        <p14:creationId xmlns:p14="http://schemas.microsoft.com/office/powerpoint/2010/main" val="3968280208"/>
+        <p14:creationId xmlns:p14="http://schemas.microsoft.com/office/powerpoint/2010/main" val="2241015151"/>
+      </p:ext>
+    </p:extLst>
+  </p:cSld>
+  <p:clrMapOvr>
+    <a:masterClrMapping/>
+  </p:clrMapOvr>
+</p:sld>
+</file>
+
+<file path=ppt/slides/slide9.xml><?xml version="1.0" encoding="utf-8"?>
+<p:sld xmlns:a="http://schemas.openxmlformats.org/drawingml/2006/main" xmlns:r="http://schemas.openxmlformats.org/officeDocument/2006/relationships" xmlns:p="http://schemas.openxmlformats.org/presentationml/2006/main">
+  <p:cSld>
+    <p:spTree>
+      <p:nvGrpSpPr>
+        <p:cNvPr id="1" name=""/>
+        <p:cNvGrpSpPr/>
+        <p:nvPr/>
+      </p:nvGrpSpPr>
+      <p:grpSpPr>
+        <a:xfrm>
+          <a:off x="0" y="0"/>
+          <a:ext cx="0" cy="0"/>
+          <a:chOff x="0" y="0"/>
+          <a:chExt cx="0" cy="0"/>
+        </a:xfrm>
+      </p:grpSpPr>
+      <p:sp>
+        <p:nvSpPr>
+          <p:cNvPr id="2" name="Title 1">
+            <a:extLst>
+              <a:ext uri="{FF2B5EF4-FFF2-40B4-BE49-F238E27FC236}">
+                <a16:creationId xmlns:a16="http://schemas.microsoft.com/office/drawing/2014/main" id="{FC56CE27-37FC-4102-9341-332FF1EAEFF4}"/>
+              </a:ext>
+            </a:extLst>
+          </p:cNvPr>
+          <p:cNvSpPr>
+            <a:spLocks noGrp="1"/>
+          </p:cNvSpPr>
+          <p:nvPr>
+            <p:ph type="title"/>
+          </p:nvPr>
+        </p:nvSpPr>
+        <p:spPr/>
+        <p:txBody>
+          <a:bodyPr/>
+          <a:lstStyle/>
+          <a:p>
+            <a:r>
+              <a:rPr lang="en-US" dirty="0"/>
+              <a:t>Data Limitations</a:t>
+            </a:r>
+          </a:p>
+        </p:txBody>
+      </p:sp>
+      <p:sp>
+        <p:nvSpPr>
+          <p:cNvPr id="3" name="Content Placeholder 2">
+            <a:extLst>
+              <a:ext uri="{FF2B5EF4-FFF2-40B4-BE49-F238E27FC236}">
+                <a16:creationId xmlns:a16="http://schemas.microsoft.com/office/drawing/2014/main" id="{96F519F1-450E-4134-915A-0BFFD695EF1B}"/>
+              </a:ext>
+            </a:extLst>
+          </p:cNvPr>
+          <p:cNvSpPr>
+            <a:spLocks noGrp="1"/>
+          </p:cNvSpPr>
+          <p:nvPr>
+            <p:ph idx="1"/>
+          </p:nvPr>
+        </p:nvSpPr>
+        <p:spPr/>
+        <p:txBody>
+          <a:bodyPr/>
+          <a:lstStyle/>
+          <a:p>
+            <a:r>
+              <a:rPr lang="en-US" dirty="0"/>
+              <a:t>Book sales data is actually extremely difficult to come by </a:t>
+            </a:r>
+          </a:p>
+          <a:p>
+            <a:r>
+              <a:rPr lang="en-US" dirty="0"/>
+              <a:t>Amazon only publicly tracks last 4 weeks and shuts down people who try to use it's API for tracking purposes </a:t>
+            </a:r>
+          </a:p>
+          <a:p>
+            <a:r>
+              <a:rPr lang="en-US" dirty="0"/>
+              <a:t>Major players are NPD which offer paid enterprise level solutions (industry research) and various top 10 lists that are usually weekly/monthly (New York </a:t>
+            </a:r>
+            <a:r>
+              <a:rPr lang="en-US" dirty="0" err="1"/>
+              <a:t>TImes</a:t>
+            </a:r>
+            <a:r>
+              <a:rPr lang="en-US" dirty="0"/>
+              <a:t>/</a:t>
+            </a:r>
+            <a:r>
+              <a:rPr lang="en-US" dirty="0" err="1"/>
+              <a:t>PublishersWeekly</a:t>
+            </a:r>
+            <a:r>
+              <a:rPr lang="en-US" dirty="0"/>
+              <a:t>) </a:t>
+            </a:r>
+          </a:p>
+          <a:p>
+            <a:r>
+              <a:rPr lang="en-US" dirty="0"/>
+              <a:t>Startup publisher would probably want to first stitch together public (and free) datasets to try to make predictions instead of immediately blowing $$$$ on expensive alternatives</a:t>
+            </a:r>
+          </a:p>
+        </p:txBody>
+      </p:sp>
+    </p:spTree>
+    <p:extLst>
+      <p:ext uri="{BB962C8B-B14F-4D97-AF65-F5344CB8AC3E}">
+        <p14:creationId xmlns:p14="http://schemas.microsoft.com/office/powerpoint/2010/main" val="1348540372"/>
       </p:ext>
     </p:extLst>
   </p:cSld>
